--- a/final_pres.pptx
+++ b/final_pres.pptx
@@ -5,7 +5,7 @@
     <p:sldMasterId id="2147483939" r:id="rId1"/>
   </p:sldMasterIdLst>
   <p:notesMasterIdLst>
-    <p:notesMasterId r:id="rId16"/>
+    <p:notesMasterId r:id="rId17"/>
   </p:notesMasterIdLst>
   <p:sldIdLst>
     <p:sldId id="256" r:id="rId2"/>
@@ -18,10 +18,11 @@
     <p:sldId id="264" r:id="rId9"/>
     <p:sldId id="265" r:id="rId10"/>
     <p:sldId id="269" r:id="rId11"/>
-    <p:sldId id="270" r:id="rId12"/>
-    <p:sldId id="259" r:id="rId13"/>
-    <p:sldId id="271" r:id="rId14"/>
-    <p:sldId id="261" r:id="rId15"/>
+    <p:sldId id="272" r:id="rId12"/>
+    <p:sldId id="270" r:id="rId13"/>
+    <p:sldId id="259" r:id="rId14"/>
+    <p:sldId id="271" r:id="rId15"/>
+    <p:sldId id="261" r:id="rId16"/>
   </p:sldIdLst>
   <p:sldSz cx="12192000" cy="6858000"/>
   <p:notesSz cx="6858000" cy="9144000"/>
@@ -548,6 +549,118 @@
     <p:extLst>
       <p:ext uri="{BB962C8B-B14F-4D97-AF65-F5344CB8AC3E}">
         <p14:creationId xmlns:p14="http://schemas.microsoft.com/office/powerpoint/2010/main" val="3450842705"/>
+      </p:ext>
+    </p:extLst>
+  </p:cSld>
+  <p:clrMapOvr>
+    <a:masterClrMapping/>
+  </p:clrMapOvr>
+</p:notes>
+</file>
+
+<file path=ppt/notesSlides/notesSlide2.xml><?xml version="1.0" encoding="utf-8"?>
+<p:notes xmlns:a="http://schemas.openxmlformats.org/drawingml/2006/main" xmlns:r="http://schemas.openxmlformats.org/officeDocument/2006/relationships" xmlns:p="http://schemas.openxmlformats.org/presentationml/2006/main">
+  <p:cSld>
+    <p:spTree>
+      <p:nvGrpSpPr>
+        <p:cNvPr id="1" name=""/>
+        <p:cNvGrpSpPr/>
+        <p:nvPr/>
+      </p:nvGrpSpPr>
+      <p:grpSpPr>
+        <a:xfrm>
+          <a:off x="0" y="0"/>
+          <a:ext cx="0" cy="0"/>
+          <a:chOff x="0" y="0"/>
+          <a:chExt cx="0" cy="0"/>
+        </a:xfrm>
+      </p:grpSpPr>
+      <p:sp>
+        <p:nvSpPr>
+          <p:cNvPr id="2" name="Slide Image Placeholder 1"/>
+          <p:cNvSpPr>
+            <a:spLocks noGrp="1" noRot="1" noChangeAspect="1"/>
+          </p:cNvSpPr>
+          <p:nvPr>
+            <p:ph type="sldImg"/>
+          </p:nvPr>
+        </p:nvSpPr>
+        <p:spPr/>
+      </p:sp>
+      <p:sp>
+        <p:nvSpPr>
+          <p:cNvPr id="3" name="Notes Placeholder 2"/>
+          <p:cNvSpPr>
+            <a:spLocks noGrp="1"/>
+          </p:cNvSpPr>
+          <p:nvPr>
+            <p:ph type="body" idx="1"/>
+          </p:nvPr>
+        </p:nvSpPr>
+        <p:spPr/>
+        <p:txBody>
+          <a:bodyPr/>
+          <a:lstStyle/>
+          <a:p>
+            <a:r>
+              <a:rPr lang="en-US" dirty="0" smtClean="0"/>
+              <a:t>Digital realization of a direct</a:t>
+            </a:r>
+            <a:r>
+              <a:rPr lang="en-US" baseline="0" dirty="0" smtClean="0"/>
+              <a:t> form 1 digital </a:t>
+            </a:r>
+            <a:r>
+              <a:rPr lang="en-US" baseline="0" dirty="0" err="1" smtClean="0"/>
+              <a:t>biquad</a:t>
+            </a:r>
+            <a:r>
+              <a:rPr lang="en-US" baseline="0" dirty="0" smtClean="0"/>
+              <a:t> filter</a:t>
+            </a:r>
+          </a:p>
+          <a:p>
+            <a:r>
+              <a:rPr lang="en-US" baseline="0" dirty="0" smtClean="0"/>
+              <a:t>	-z^-1 unit time</a:t>
+            </a:r>
+          </a:p>
+          <a:p>
+            <a:r>
+              <a:rPr lang="en-US" baseline="0" dirty="0" smtClean="0"/>
+              <a:t>	-a’s and b’s coefficients</a:t>
+            </a:r>
+            <a:endParaRPr lang="en-US" dirty="0"/>
+          </a:p>
+        </p:txBody>
+      </p:sp>
+      <p:sp>
+        <p:nvSpPr>
+          <p:cNvPr id="4" name="Slide Number Placeholder 3"/>
+          <p:cNvSpPr>
+            <a:spLocks noGrp="1"/>
+          </p:cNvSpPr>
+          <p:nvPr>
+            <p:ph type="sldNum" sz="quarter" idx="10"/>
+          </p:nvPr>
+        </p:nvSpPr>
+        <p:spPr/>
+        <p:txBody>
+          <a:bodyPr/>
+          <a:lstStyle/>
+          <a:p>
+            <a:fld id="{5917868C-6520-44D8-88ED-25F65754BB86}" type="slidenum">
+              <a:rPr lang="en-US" smtClean="0"/>
+              <a:t>11</a:t>
+            </a:fld>
+            <a:endParaRPr lang="en-US"/>
+          </a:p>
+        </p:txBody>
+      </p:sp>
+    </p:spTree>
+    <p:extLst>
+      <p:ext uri="{BB962C8B-B14F-4D97-AF65-F5344CB8AC3E}">
+        <p14:creationId xmlns:p14="http://schemas.microsoft.com/office/powerpoint/2010/main" val="558526947"/>
       </p:ext>
     </p:extLst>
   </p:cSld>
@@ -6298,67 +6411,14 @@
           <a:lstStyle/>
           <a:p>
             <a:r>
+              <a:rPr lang="en-US" dirty="0" err="1" smtClean="0"/>
+              <a:t>Matlab</a:t>
+            </a:r>
+            <a:r>
               <a:rPr lang="en-US" dirty="0" smtClean="0"/>
-              <a:t>Filters!!!!!!</a:t>
+              <a:t> filter simulations</a:t>
             </a:r>
             <a:endParaRPr lang="en-US" dirty="0"/>
-          </a:p>
-        </p:txBody>
-      </p:sp>
-      <p:sp>
-        <p:nvSpPr>
-          <p:cNvPr id="3" name="Content Placeholder 2"/>
-          <p:cNvSpPr>
-            <a:spLocks noGrp="1"/>
-          </p:cNvSpPr>
-          <p:nvPr>
-            <p:ph sz="half" idx="1"/>
-          </p:nvPr>
-        </p:nvSpPr>
-        <p:spPr/>
-        <p:txBody>
-          <a:bodyPr/>
-          <a:lstStyle/>
-          <a:p>
-            <a:endParaRPr lang="en-US"/>
-          </a:p>
-        </p:txBody>
-      </p:sp>
-      <p:sp>
-        <p:nvSpPr>
-          <p:cNvPr id="4" name="Content Placeholder 3"/>
-          <p:cNvSpPr>
-            <a:spLocks noGrp="1"/>
-          </p:cNvSpPr>
-          <p:nvPr>
-            <p:ph sz="half" idx="2"/>
-          </p:nvPr>
-        </p:nvSpPr>
-        <p:spPr/>
-        <p:txBody>
-          <a:bodyPr/>
-          <a:lstStyle/>
-          <a:p>
-            <a:endParaRPr lang="en-US"/>
-          </a:p>
-        </p:txBody>
-      </p:sp>
-      <p:sp>
-        <p:nvSpPr>
-          <p:cNvPr id="5" name="Footer Placeholder 4"/>
-          <p:cNvSpPr>
-            <a:spLocks noGrp="1"/>
-          </p:cNvSpPr>
-          <p:nvPr>
-            <p:ph type="ftr" sz="quarter" idx="11"/>
-          </p:nvPr>
-        </p:nvSpPr>
-        <p:spPr/>
-        <p:txBody>
-          <a:bodyPr/>
-          <a:lstStyle/>
-          <a:p>
-            <a:endParaRPr lang="en-US"/>
           </a:p>
         </p:txBody>
       </p:sp>
@@ -6381,10 +6441,333 @@
               <a:rPr lang="en-US" smtClean="0"/>
               <a:t>10</a:t>
             </a:fld>
-            <a:endParaRPr lang="en-US"/>
-          </a:p>
-        </p:txBody>
-      </p:sp>
+            <a:endParaRPr lang="en-US" dirty="0"/>
+          </a:p>
+        </p:txBody>
+      </p:sp>
+      <mc:AlternateContent xmlns:mc="http://schemas.openxmlformats.org/markup-compatibility/2006">
+        <mc:Choice xmlns:a14="http://schemas.microsoft.com/office/drawing/2010/main" Requires="a14">
+          <p:sp>
+            <p:nvSpPr>
+              <p:cNvPr id="7" name="TextBox 6"/>
+              <p:cNvSpPr txBox="1"/>
+              <p:nvPr/>
+            </p:nvSpPr>
+            <p:spPr>
+              <a:xfrm>
+                <a:off x="929601" y="3580975"/>
+                <a:ext cx="2751522" cy="744371"/>
+              </a:xfrm>
+              <a:prstGeom prst="rect">
+                <a:avLst/>
+              </a:prstGeom>
+              <a:noFill/>
+            </p:spPr>
+            <p:txBody>
+              <a:bodyPr wrap="none" rtlCol="0">
+                <a:spAutoFit/>
+              </a:bodyPr>
+              <a:lstStyle/>
+              <a:p>
+                <a14:m>
+                  <m:oMathPara xmlns:m="http://schemas.openxmlformats.org/officeDocument/2006/math">
+                    <m:oMathParaPr>
+                      <m:jc m:val="centerGroup"/>
+                    </m:oMathParaPr>
+                    <m:oMath xmlns:m="http://schemas.openxmlformats.org/officeDocument/2006/math">
+                      <m:r>
+                        <a:rPr lang="en-US" b="0" i="1" smtClean="0">
+                          <a:latin typeface="Cambria Math"/>
+                        </a:rPr>
+                        <m:t>𝐻</m:t>
+                      </m:r>
+                      <m:d>
+                        <m:dPr>
+                          <m:ctrlPr>
+                            <a:rPr lang="en-US" b="0" i="1" smtClean="0">
+                              <a:latin typeface="Cambria Math"/>
+                            </a:rPr>
+                          </m:ctrlPr>
+                        </m:dPr>
+                        <m:e>
+                          <m:r>
+                            <a:rPr lang="en-US" b="0" i="1" smtClean="0">
+                              <a:latin typeface="Cambria Math"/>
+                            </a:rPr>
+                            <m:t>𝑠</m:t>
+                          </m:r>
+                        </m:e>
+                      </m:d>
+                      <m:r>
+                        <a:rPr lang="en-US" b="0" i="1" smtClean="0">
+                          <a:latin typeface="Cambria Math"/>
+                        </a:rPr>
+                        <m:t>=</m:t>
+                      </m:r>
+                      <m:f>
+                        <m:fPr>
+                          <m:ctrlPr>
+                            <a:rPr lang="en-US" b="0" i="1" smtClean="0">
+                              <a:latin typeface="Cambria Math"/>
+                            </a:rPr>
+                          </m:ctrlPr>
+                        </m:fPr>
+                        <m:num>
+                          <m:sSubSup>
+                            <m:sSubSupPr>
+                              <m:ctrlPr>
+                                <a:rPr lang="en-US" b="0" i="1" smtClean="0">
+                                  <a:latin typeface="Cambria Math"/>
+                                </a:rPr>
+                              </m:ctrlPr>
+                            </m:sSubSupPr>
+                            <m:e>
+                              <m:sSub>
+                                <m:sSubPr>
+                                  <m:ctrlPr>
+                                    <a:rPr lang="en-US" b="0" i="1" smtClean="0">
+                                      <a:latin typeface="Cambria Math"/>
+                                    </a:rPr>
+                                  </m:ctrlPr>
+                                </m:sSubPr>
+                                <m:e>
+                                  <m:r>
+                                    <a:rPr lang="en-US" b="0" i="1" smtClean="0">
+                                      <a:latin typeface="Cambria Math"/>
+                                      <a:ea typeface="Cambria Math"/>
+                                    </a:rPr>
+                                    <m:t>𝜔</m:t>
+                                  </m:r>
+                                </m:e>
+                                <m:sub>
+                                  <m:r>
+                                    <a:rPr lang="en-US" b="0" i="1" smtClean="0">
+                                      <a:latin typeface="Cambria Math"/>
+                                    </a:rPr>
+                                    <m:t>0</m:t>
+                                  </m:r>
+                                </m:sub>
+                              </m:sSub>
+                            </m:e>
+                            <m:sub/>
+                            <m:sup>
+                              <m:r>
+                                <a:rPr lang="en-US" b="0" i="1" smtClean="0">
+                                  <a:latin typeface="Cambria Math"/>
+                                </a:rPr>
+                                <m:t>2</m:t>
+                              </m:r>
+                            </m:sup>
+                          </m:sSubSup>
+                        </m:num>
+                        <m:den>
+                          <m:sSup>
+                            <m:sSupPr>
+                              <m:ctrlPr>
+                                <a:rPr lang="en-US" b="0" i="1" smtClean="0">
+                                  <a:latin typeface="Cambria Math"/>
+                                </a:rPr>
+                              </m:ctrlPr>
+                            </m:sSupPr>
+                            <m:e>
+                              <m:r>
+                                <a:rPr lang="en-US" b="0" i="1" smtClean="0">
+                                  <a:latin typeface="Cambria Math"/>
+                                </a:rPr>
+                                <m:t>𝑠</m:t>
+                              </m:r>
+                            </m:e>
+                            <m:sup>
+                              <m:r>
+                                <a:rPr lang="en-US" b="0" i="1" smtClean="0">
+                                  <a:latin typeface="Cambria Math"/>
+                                </a:rPr>
+                                <m:t>2</m:t>
+                              </m:r>
+                            </m:sup>
+                          </m:sSup>
+                          <m:r>
+                            <a:rPr lang="en-US" b="0" i="1" smtClean="0">
+                              <a:latin typeface="Cambria Math"/>
+                            </a:rPr>
+                            <m:t>+</m:t>
+                          </m:r>
+                          <m:f>
+                            <m:fPr>
+                              <m:type m:val="lin"/>
+                              <m:ctrlPr>
+                                <a:rPr lang="en-US" b="0" i="1" smtClean="0">
+                                  <a:latin typeface="Cambria Math"/>
+                                </a:rPr>
+                              </m:ctrlPr>
+                            </m:fPr>
+                            <m:num>
+                              <m:sSub>
+                                <m:sSubPr>
+                                  <m:ctrlPr>
+                                    <a:rPr lang="en-US" i="1">
+                                      <a:latin typeface="Cambria Math"/>
+                                    </a:rPr>
+                                  </m:ctrlPr>
+                                </m:sSubPr>
+                                <m:e>
+                                  <m:r>
+                                    <a:rPr lang="en-US" i="1">
+                                      <a:latin typeface="Cambria Math"/>
+                                      <a:ea typeface="Cambria Math"/>
+                                    </a:rPr>
+                                    <m:t>𝜔</m:t>
+                                  </m:r>
+                                </m:e>
+                                <m:sub>
+                                  <m:r>
+                                    <a:rPr lang="en-US" i="1">
+                                      <a:latin typeface="Cambria Math"/>
+                                    </a:rPr>
+                                    <m:t>0</m:t>
+                                  </m:r>
+                                </m:sub>
+                              </m:sSub>
+                            </m:num>
+                            <m:den>
+                              <m:r>
+                                <a:rPr lang="en-US" b="0" i="1" smtClean="0">
+                                  <a:latin typeface="Cambria Math"/>
+                                </a:rPr>
+                                <m:t>𝑄</m:t>
+                              </m:r>
+                            </m:den>
+                          </m:f>
+                          <m:r>
+                            <a:rPr lang="en-US" b="0" i="1" smtClean="0">
+                              <a:latin typeface="Cambria Math"/>
+                            </a:rPr>
+                            <m:t>+</m:t>
+                          </m:r>
+                          <m:sSubSup>
+                            <m:sSubSupPr>
+                              <m:ctrlPr>
+                                <a:rPr lang="en-US" i="1">
+                                  <a:latin typeface="Cambria Math"/>
+                                </a:rPr>
+                              </m:ctrlPr>
+                            </m:sSubSupPr>
+                            <m:e>
+                              <m:sSub>
+                                <m:sSubPr>
+                                  <m:ctrlPr>
+                                    <a:rPr lang="en-US" i="1">
+                                      <a:latin typeface="Cambria Math"/>
+                                    </a:rPr>
+                                  </m:ctrlPr>
+                                </m:sSubPr>
+                                <m:e>
+                                  <m:r>
+                                    <a:rPr lang="en-US" i="1">
+                                      <a:latin typeface="Cambria Math"/>
+                                      <a:ea typeface="Cambria Math"/>
+                                    </a:rPr>
+                                    <m:t>𝜔</m:t>
+                                  </m:r>
+                                </m:e>
+                                <m:sub>
+                                  <m:r>
+                                    <a:rPr lang="en-US" i="1">
+                                      <a:latin typeface="Cambria Math"/>
+                                    </a:rPr>
+                                    <m:t>0</m:t>
+                                  </m:r>
+                                </m:sub>
+                              </m:sSub>
+                            </m:e>
+                            <m:sub/>
+                            <m:sup>
+                              <m:r>
+                                <a:rPr lang="en-US" i="1">
+                                  <a:latin typeface="Cambria Math"/>
+                                </a:rPr>
+                                <m:t>2</m:t>
+                              </m:r>
+                            </m:sup>
+                          </m:sSubSup>
+                        </m:den>
+                      </m:f>
+                    </m:oMath>
+                  </m:oMathPara>
+                </a14:m>
+                <a:endParaRPr lang="en-US" dirty="0"/>
+              </a:p>
+            </p:txBody>
+          </p:sp>
+        </mc:Choice>
+        <mc:Fallback>
+          <p:sp>
+            <p:nvSpPr>
+              <p:cNvPr id="7" name="TextBox 6"/>
+              <p:cNvSpPr txBox="1">
+                <a:spLocks noRot="1" noChangeAspect="1" noMove="1" noResize="1" noEditPoints="1" noAdjustHandles="1" noChangeArrowheads="1" noChangeShapeType="1" noTextEdit="1"/>
+              </p:cNvSpPr>
+              <p:nvPr/>
+            </p:nvSpPr>
+            <p:spPr>
+              <a:xfrm>
+                <a:off x="929601" y="3580975"/>
+                <a:ext cx="2751522" cy="744371"/>
+              </a:xfrm>
+              <a:prstGeom prst="rect">
+                <a:avLst/>
+              </a:prstGeom>
+              <a:blipFill rotWithShape="1">
+                <a:blip r:embed="rId2"/>
+                <a:stretch>
+                  <a:fillRect/>
+                </a:stretch>
+              </a:blipFill>
+            </p:spPr>
+            <p:txBody>
+              <a:bodyPr/>
+              <a:lstStyle/>
+              <a:p>
+                <a:r>
+                  <a:rPr lang="en-US">
+                    <a:noFill/>
+                  </a:rPr>
+                  <a:t> </a:t>
+                </a:r>
+              </a:p>
+            </p:txBody>
+          </p:sp>
+        </mc:Fallback>
+      </mc:AlternateContent>
+      <p:pic>
+        <p:nvPicPr>
+          <p:cNvPr id="10" name="Picture 9"/>
+          <p:cNvPicPr>
+            <a:picLocks noChangeAspect="1"/>
+          </p:cNvPicPr>
+          <p:nvPr/>
+        </p:nvPicPr>
+        <p:blipFill rotWithShape="1">
+          <a:blip r:embed="rId3">
+            <a:extLst>
+              <a:ext uri="{28A0092B-C50C-407E-A947-70E740481C1C}">
+                <a14:useLocalDpi xmlns:a14="http://schemas.microsoft.com/office/drawing/2010/main" val="0"/>
+              </a:ext>
+            </a:extLst>
+          </a:blip>
+          <a:srcRect b="50000"/>
+          <a:stretch/>
+        </p:blipFill>
+        <p:spPr>
+          <a:xfrm>
+            <a:off x="4128387" y="2217999"/>
+            <a:ext cx="7333539" cy="3854995"/>
+          </a:xfrm>
+          <a:prstGeom prst="rect">
+            <a:avLst/>
+          </a:prstGeom>
+        </p:spPr>
+      </p:pic>
     </p:spTree>
     <p:extLst>
       <p:ext uri="{BB962C8B-B14F-4D97-AF65-F5344CB8AC3E}">
@@ -6417,6 +6800,46 @@
       </p:grpSpPr>
       <p:sp>
         <p:nvSpPr>
+          <p:cNvPr id="10" name="Rectangle 9"/>
+          <p:cNvSpPr/>
+          <p:nvPr/>
+        </p:nvSpPr>
+        <p:spPr>
+          <a:xfrm>
+            <a:off x="1284196" y="1984075"/>
+            <a:ext cx="7290461" cy="3726612"/>
+          </a:xfrm>
+          <a:prstGeom prst="rect">
+            <a:avLst/>
+          </a:prstGeom>
+        </p:spPr>
+        <p:style>
+          <a:lnRef idx="2">
+            <a:schemeClr val="accent1">
+              <a:shade val="50000"/>
+            </a:schemeClr>
+          </a:lnRef>
+          <a:fillRef idx="1">
+            <a:schemeClr val="accent1"/>
+          </a:fillRef>
+          <a:effectRef idx="0">
+            <a:schemeClr val="accent1"/>
+          </a:effectRef>
+          <a:fontRef idx="minor">
+            <a:schemeClr val="lt1"/>
+          </a:fontRef>
+        </p:style>
+        <p:txBody>
+          <a:bodyPr rtlCol="0" anchor="ctr"/>
+          <a:lstStyle/>
+          <a:p>
+            <a:pPr algn="ctr"/>
+            <a:endParaRPr lang="en-US"/>
+          </a:p>
+        </p:txBody>
+      </p:sp>
+      <p:sp>
+        <p:nvSpPr>
           <p:cNvPr id="2" name="Title 1"/>
           <p:cNvSpPr>
             <a:spLocks noGrp="1"/>
@@ -6432,82 +6855,9 @@
           <a:p>
             <a:r>
               <a:rPr lang="en-US" dirty="0" smtClean="0"/>
-              <a:t>Where are we really now</a:t>
+              <a:t>Digital filter realization</a:t>
             </a:r>
             <a:endParaRPr lang="en-US" dirty="0"/>
-          </a:p>
-        </p:txBody>
-      </p:sp>
-      <p:sp>
-        <p:nvSpPr>
-          <p:cNvPr id="3" name="Content Placeholder 2"/>
-          <p:cNvSpPr>
-            <a:spLocks noGrp="1"/>
-          </p:cNvSpPr>
-          <p:nvPr>
-            <p:ph idx="1"/>
-          </p:nvPr>
-        </p:nvSpPr>
-        <p:spPr/>
-        <p:txBody>
-          <a:bodyPr>
-            <a:normAutofit/>
-          </a:bodyPr>
-          <a:lstStyle/>
-          <a:p>
-            <a:r>
-              <a:rPr lang="en-US" sz="2400" dirty="0" smtClean="0"/>
-              <a:t>Scheduler complete and tested</a:t>
-            </a:r>
-          </a:p>
-          <a:p>
-            <a:r>
-              <a:rPr lang="en-US" sz="2400" dirty="0" smtClean="0"/>
-              <a:t>Oscillators completed and tested</a:t>
-            </a:r>
-          </a:p>
-          <a:p>
-            <a:r>
-              <a:rPr lang="en-US" sz="2400" dirty="0" smtClean="0"/>
-              <a:t>Envelopes complete and being debugged</a:t>
-            </a:r>
-          </a:p>
-          <a:p>
-            <a:r>
-              <a:rPr lang="en-US" sz="2400" dirty="0" smtClean="0"/>
-              <a:t>Filters complete and being debugged</a:t>
-            </a:r>
-          </a:p>
-          <a:p>
-            <a:r>
-              <a:rPr lang="en-US" sz="2400" dirty="0" smtClean="0"/>
-              <a:t>Peripheral controls complete and tested</a:t>
-            </a:r>
-          </a:p>
-          <a:p>
-            <a:r>
-              <a:rPr lang="en-US" sz="2400" dirty="0" smtClean="0"/>
-              <a:t>Note banks almost complete</a:t>
-            </a:r>
-          </a:p>
-        </p:txBody>
-      </p:sp>
-      <p:sp>
-        <p:nvSpPr>
-          <p:cNvPr id="5" name="Footer Placeholder 4"/>
-          <p:cNvSpPr>
-            <a:spLocks noGrp="1"/>
-          </p:cNvSpPr>
-          <p:nvPr>
-            <p:ph type="ftr" sz="quarter" idx="11"/>
-          </p:nvPr>
-        </p:nvSpPr>
-        <p:spPr/>
-        <p:txBody>
-          <a:bodyPr/>
-          <a:lstStyle/>
-          <a:p>
-            <a:endParaRPr lang="en-US"/>
           </a:p>
         </p:txBody>
       </p:sp>
@@ -6530,14 +6880,435 @@
               <a:rPr lang="en-US" smtClean="0"/>
               <a:t>11</a:t>
             </a:fld>
-            <a:endParaRPr lang="en-US"/>
-          </a:p>
-        </p:txBody>
-      </p:sp>
+            <a:endParaRPr lang="en-US" dirty="0"/>
+          </a:p>
+        </p:txBody>
+      </p:sp>
+      <mc:AlternateContent xmlns:mc="http://schemas.openxmlformats.org/markup-compatibility/2006">
+        <mc:Choice xmlns:a14="http://schemas.microsoft.com/office/drawing/2010/main" Requires="a14">
+          <p:sp>
+            <p:nvSpPr>
+              <p:cNvPr id="9" name="TextBox 8"/>
+              <p:cNvSpPr txBox="1"/>
+              <p:nvPr/>
+            </p:nvSpPr>
+            <p:spPr>
+              <a:xfrm>
+                <a:off x="8902460" y="3500651"/>
+                <a:ext cx="2959593" cy="693460"/>
+              </a:xfrm>
+              <a:prstGeom prst="rect">
+                <a:avLst/>
+              </a:prstGeom>
+              <a:noFill/>
+            </p:spPr>
+            <p:txBody>
+              <a:bodyPr wrap="none" rtlCol="0">
+                <a:spAutoFit/>
+              </a:bodyPr>
+              <a:lstStyle/>
+              <a:p>
+                <a14:m>
+                  <m:oMathPara xmlns:m="http://schemas.openxmlformats.org/officeDocument/2006/math">
+                    <m:oMathParaPr>
+                      <m:jc m:val="centerGroup"/>
+                    </m:oMathParaPr>
+                    <m:oMath xmlns:m="http://schemas.openxmlformats.org/officeDocument/2006/math">
+                      <m:r>
+                        <a:rPr lang="en-US" b="0" i="1" smtClean="0">
+                          <a:latin typeface="Cambria Math"/>
+                        </a:rPr>
+                        <m:t>𝐻</m:t>
+                      </m:r>
+                      <m:d>
+                        <m:dPr>
+                          <m:ctrlPr>
+                            <a:rPr lang="en-US" b="0" i="1" smtClean="0">
+                              <a:latin typeface="Cambria Math"/>
+                            </a:rPr>
+                          </m:ctrlPr>
+                        </m:dPr>
+                        <m:e>
+                          <m:r>
+                            <a:rPr lang="en-US" b="0" i="1" smtClean="0">
+                              <a:latin typeface="Cambria Math"/>
+                            </a:rPr>
+                            <m:t>𝑧</m:t>
+                          </m:r>
+                        </m:e>
+                      </m:d>
+                      <m:r>
+                        <a:rPr lang="en-US" b="0" i="1" smtClean="0">
+                          <a:latin typeface="Cambria Math"/>
+                        </a:rPr>
+                        <m:t>=</m:t>
+                      </m:r>
+                      <m:f>
+                        <m:fPr>
+                          <m:ctrlPr>
+                            <a:rPr lang="en-US" b="0" i="1" smtClean="0">
+                              <a:latin typeface="Cambria Math"/>
+                            </a:rPr>
+                          </m:ctrlPr>
+                        </m:fPr>
+                        <m:num>
+                          <m:sSub>
+                            <m:sSubPr>
+                              <m:ctrlPr>
+                                <a:rPr lang="en-US" i="1">
+                                  <a:latin typeface="Cambria Math"/>
+                                </a:rPr>
+                              </m:ctrlPr>
+                            </m:sSubPr>
+                            <m:e>
+                              <m:r>
+                                <a:rPr lang="en-US" b="0" i="1" smtClean="0">
+                                  <a:latin typeface="Cambria Math"/>
+                                </a:rPr>
+                                <m:t>𝑏</m:t>
+                              </m:r>
+                            </m:e>
+                            <m:sub>
+                              <m:r>
+                                <a:rPr lang="en-US" b="0" i="1" smtClean="0">
+                                  <a:latin typeface="Cambria Math"/>
+                                </a:rPr>
+                                <m:t>0</m:t>
+                              </m:r>
+                            </m:sub>
+                          </m:sSub>
+                          <m:r>
+                            <a:rPr lang="en-US" b="0" i="1" smtClean="0">
+                              <a:latin typeface="Cambria Math"/>
+                            </a:rPr>
+                            <m:t>+</m:t>
+                          </m:r>
+                          <m:sSub>
+                            <m:sSubPr>
+                              <m:ctrlPr>
+                                <a:rPr lang="en-US" i="1">
+                                  <a:latin typeface="Cambria Math"/>
+                                </a:rPr>
+                              </m:ctrlPr>
+                            </m:sSubPr>
+                            <m:e>
+                              <m:r>
+                                <a:rPr lang="en-US" b="0" i="1" smtClean="0">
+                                  <a:latin typeface="Cambria Math"/>
+                                </a:rPr>
+                                <m:t>𝑏</m:t>
+                              </m:r>
+                            </m:e>
+                            <m:sub>
+                              <m:r>
+                                <a:rPr lang="en-US" i="1">
+                                  <a:latin typeface="Cambria Math"/>
+                                </a:rPr>
+                                <m:t>1</m:t>
+                              </m:r>
+                            </m:sub>
+                          </m:sSub>
+                          <m:sSup>
+                            <m:sSupPr>
+                              <m:ctrlPr>
+                                <a:rPr lang="en-US" i="1">
+                                  <a:latin typeface="Cambria Math"/>
+                                </a:rPr>
+                              </m:ctrlPr>
+                            </m:sSupPr>
+                            <m:e>
+                              <m:r>
+                                <a:rPr lang="en-US" i="1">
+                                  <a:latin typeface="Cambria Math"/>
+                                </a:rPr>
+                                <m:t>𝑧</m:t>
+                              </m:r>
+                            </m:e>
+                            <m:sup>
+                              <m:r>
+                                <a:rPr lang="en-US" i="1">
+                                  <a:latin typeface="Cambria Math"/>
+                                </a:rPr>
+                                <m:t>−1</m:t>
+                              </m:r>
+                            </m:sup>
+                          </m:sSup>
+                          <m:r>
+                            <a:rPr lang="en-US" b="0" i="1" smtClean="0">
+                              <a:latin typeface="Cambria Math"/>
+                            </a:rPr>
+                            <m:t>+</m:t>
+                          </m:r>
+                          <m:sSub>
+                            <m:sSubPr>
+                              <m:ctrlPr>
+                                <a:rPr lang="en-US" i="1">
+                                  <a:latin typeface="Cambria Math"/>
+                                </a:rPr>
+                              </m:ctrlPr>
+                            </m:sSubPr>
+                            <m:e>
+                              <m:r>
+                                <a:rPr lang="en-US" b="0" i="1" smtClean="0">
+                                  <a:latin typeface="Cambria Math"/>
+                                </a:rPr>
+                                <m:t>𝑏</m:t>
+                              </m:r>
+                            </m:e>
+                            <m:sub>
+                              <m:r>
+                                <a:rPr lang="en-US" b="0" i="1" smtClean="0">
+                                  <a:latin typeface="Cambria Math"/>
+                                </a:rPr>
+                                <m:t>2</m:t>
+                              </m:r>
+                            </m:sub>
+                          </m:sSub>
+                          <m:sSup>
+                            <m:sSupPr>
+                              <m:ctrlPr>
+                                <a:rPr lang="en-US" i="1">
+                                  <a:latin typeface="Cambria Math"/>
+                                </a:rPr>
+                              </m:ctrlPr>
+                            </m:sSupPr>
+                            <m:e>
+                              <m:r>
+                                <a:rPr lang="en-US" i="1">
+                                  <a:latin typeface="Cambria Math"/>
+                                </a:rPr>
+                                <m:t>𝑧</m:t>
+                              </m:r>
+                            </m:e>
+                            <m:sup>
+                              <m:r>
+                                <a:rPr lang="en-US" i="1">
+                                  <a:latin typeface="Cambria Math"/>
+                                </a:rPr>
+                                <m:t>−</m:t>
+                              </m:r>
+                              <m:r>
+                                <a:rPr lang="en-US" b="0" i="1" smtClean="0">
+                                  <a:latin typeface="Cambria Math"/>
+                                </a:rPr>
+                                <m:t>2</m:t>
+                              </m:r>
+                            </m:sup>
+                          </m:sSup>
+                        </m:num>
+                        <m:den>
+                          <m:r>
+                            <a:rPr lang="en-US" b="0" i="1" smtClean="0">
+                              <a:latin typeface="Cambria Math"/>
+                            </a:rPr>
+                            <m:t>1+</m:t>
+                          </m:r>
+                          <m:sSub>
+                            <m:sSubPr>
+                              <m:ctrlPr>
+                                <a:rPr lang="en-US" b="0" i="1" smtClean="0">
+                                  <a:latin typeface="Cambria Math"/>
+                                </a:rPr>
+                              </m:ctrlPr>
+                            </m:sSubPr>
+                            <m:e>
+                              <m:r>
+                                <a:rPr lang="en-US" b="0" i="1" smtClean="0">
+                                  <a:latin typeface="Cambria Math"/>
+                                </a:rPr>
+                                <m:t>𝑎</m:t>
+                              </m:r>
+                            </m:e>
+                            <m:sub>
+                              <m:r>
+                                <a:rPr lang="en-US" b="0" i="1" smtClean="0">
+                                  <a:latin typeface="Cambria Math"/>
+                                </a:rPr>
+                                <m:t>1</m:t>
+                              </m:r>
+                            </m:sub>
+                          </m:sSub>
+                          <m:sSup>
+                            <m:sSupPr>
+                              <m:ctrlPr>
+                                <a:rPr lang="en-US" b="0" i="1" smtClean="0">
+                                  <a:latin typeface="Cambria Math"/>
+                                </a:rPr>
+                              </m:ctrlPr>
+                            </m:sSupPr>
+                            <m:e>
+                              <m:r>
+                                <a:rPr lang="en-US" b="0" i="1" smtClean="0">
+                                  <a:latin typeface="Cambria Math"/>
+                                </a:rPr>
+                                <m:t>𝑧</m:t>
+                              </m:r>
+                            </m:e>
+                            <m:sup>
+                              <m:r>
+                                <a:rPr lang="en-US" b="0" i="1" smtClean="0">
+                                  <a:latin typeface="Cambria Math"/>
+                                </a:rPr>
+                                <m:t>−1</m:t>
+                              </m:r>
+                            </m:sup>
+                          </m:sSup>
+                          <m:r>
+                            <a:rPr lang="en-US" b="0" i="1" smtClean="0">
+                              <a:latin typeface="Cambria Math"/>
+                            </a:rPr>
+                            <m:t>+</m:t>
+                          </m:r>
+                          <m:sSub>
+                            <m:sSubPr>
+                              <m:ctrlPr>
+                                <a:rPr lang="en-US" i="1" smtClean="0">
+                                  <a:latin typeface="Cambria Math"/>
+                                </a:rPr>
+                              </m:ctrlPr>
+                            </m:sSubPr>
+                            <m:e>
+                              <m:r>
+                                <a:rPr lang="en-US" i="1">
+                                  <a:latin typeface="Cambria Math"/>
+                                </a:rPr>
+                                <m:t>𝑎</m:t>
+                              </m:r>
+                            </m:e>
+                            <m:sub>
+                              <m:r>
+                                <a:rPr lang="en-US" b="0" i="1" smtClean="0">
+                                  <a:latin typeface="Cambria Math"/>
+                                </a:rPr>
+                                <m:t>2</m:t>
+                              </m:r>
+                            </m:sub>
+                          </m:sSub>
+                          <m:sSup>
+                            <m:sSupPr>
+                              <m:ctrlPr>
+                                <a:rPr lang="en-US" i="1">
+                                  <a:latin typeface="Cambria Math"/>
+                                </a:rPr>
+                              </m:ctrlPr>
+                            </m:sSupPr>
+                            <m:e>
+                              <m:r>
+                                <a:rPr lang="en-US" i="1">
+                                  <a:latin typeface="Cambria Math"/>
+                                </a:rPr>
+                                <m:t>𝑧</m:t>
+                              </m:r>
+                            </m:e>
+                            <m:sup>
+                              <m:r>
+                                <a:rPr lang="en-US" i="1">
+                                  <a:latin typeface="Cambria Math"/>
+                                </a:rPr>
+                                <m:t>−</m:t>
+                              </m:r>
+                              <m:r>
+                                <a:rPr lang="en-US" b="0" i="1" smtClean="0">
+                                  <a:latin typeface="Cambria Math"/>
+                                </a:rPr>
+                                <m:t>2</m:t>
+                              </m:r>
+                            </m:sup>
+                          </m:sSup>
+                        </m:den>
+                      </m:f>
+                    </m:oMath>
+                  </m:oMathPara>
+                </a14:m>
+                <a:endParaRPr lang="en-US" dirty="0"/>
+              </a:p>
+            </p:txBody>
+          </p:sp>
+        </mc:Choice>
+        <mc:Fallback>
+          <p:sp>
+            <p:nvSpPr>
+              <p:cNvPr id="9" name="TextBox 8"/>
+              <p:cNvSpPr txBox="1">
+                <a:spLocks noRot="1" noChangeAspect="1" noMove="1" noResize="1" noEditPoints="1" noAdjustHandles="1" noChangeArrowheads="1" noChangeShapeType="1" noTextEdit="1"/>
+              </p:cNvSpPr>
+              <p:nvPr/>
+            </p:nvSpPr>
+            <p:spPr>
+              <a:xfrm>
+                <a:off x="8902460" y="3500651"/>
+                <a:ext cx="2959593" cy="693460"/>
+              </a:xfrm>
+              <a:prstGeom prst="rect">
+                <a:avLst/>
+              </a:prstGeom>
+              <a:blipFill rotWithShape="1">
+                <a:blip r:embed="rId3"/>
+                <a:stretch>
+                  <a:fillRect/>
+                </a:stretch>
+              </a:blipFill>
+            </p:spPr>
+            <p:txBody>
+              <a:bodyPr/>
+              <a:lstStyle/>
+              <a:p>
+                <a:r>
+                  <a:rPr lang="en-US">
+                    <a:noFill/>
+                  </a:rPr>
+                  <a:t> </a:t>
+                </a:r>
+              </a:p>
+            </p:txBody>
+          </p:sp>
+        </mc:Fallback>
+      </mc:AlternateContent>
+      <p:pic>
+        <p:nvPicPr>
+          <p:cNvPr id="1029" name="Picture 5" descr="Biquad filter DF-I.svg"/>
+          <p:cNvPicPr>
+            <a:picLocks noChangeAspect="1" noChangeArrowheads="1"/>
+          </p:cNvPicPr>
+          <p:nvPr/>
+        </p:nvPicPr>
+        <p:blipFill>
+          <a:blip r:embed="rId4">
+            <a:extLst>
+              <a:ext uri="{28A0092B-C50C-407E-A947-70E740481C1C}">
+                <a14:useLocalDpi xmlns:a14="http://schemas.microsoft.com/office/drawing/2010/main" val="0"/>
+              </a:ext>
+            </a:extLst>
+          </a:blip>
+          <a:srcRect/>
+          <a:stretch>
+            <a:fillRect/>
+          </a:stretch>
+        </p:blipFill>
+        <p:spPr bwMode="auto">
+          <a:xfrm>
+            <a:off x="1284196" y="1984075"/>
+            <a:ext cx="7290461" cy="3791042"/>
+          </a:xfrm>
+          <a:prstGeom prst="rect">
+            <a:avLst/>
+          </a:prstGeom>
+          <a:noFill/>
+          <a:extLst>
+            <a:ext uri="{909E8E84-426E-40DD-AFC4-6F175D3DCCD1}">
+              <a14:hiddenFill xmlns:a14="http://schemas.microsoft.com/office/drawing/2010/main">
+                <a:solidFill>
+                  <a:srgbClr val="FFFFFF"/>
+                </a:solidFill>
+              </a14:hiddenFill>
+            </a:ext>
+          </a:extLst>
+        </p:spPr>
+      </p:pic>
     </p:spTree>
     <p:extLst>
       <p:ext uri="{BB962C8B-B14F-4D97-AF65-F5344CB8AC3E}">
-        <p14:creationId xmlns:p14="http://schemas.microsoft.com/office/powerpoint/2010/main" val="3467270487"/>
+        <p14:creationId xmlns:p14="http://schemas.microsoft.com/office/powerpoint/2010/main" val="2061671107"/>
       </p:ext>
     </p:extLst>
   </p:cSld>
@@ -6581,11 +7352,156 @@
           <a:p>
             <a:r>
               <a:rPr lang="en-US" dirty="0" smtClean="0"/>
-              <a:t>What </a:t>
-            </a:r>
+              <a:t>Where are we really now</a:t>
+            </a:r>
+            <a:endParaRPr lang="en-US" dirty="0"/>
+          </a:p>
+        </p:txBody>
+      </p:sp>
+      <p:sp>
+        <p:nvSpPr>
+          <p:cNvPr id="3" name="Content Placeholder 2"/>
+          <p:cNvSpPr>
+            <a:spLocks noGrp="1"/>
+          </p:cNvSpPr>
+          <p:nvPr>
+            <p:ph idx="1"/>
+          </p:nvPr>
+        </p:nvSpPr>
+        <p:spPr/>
+        <p:txBody>
+          <a:bodyPr>
+            <a:normAutofit/>
+          </a:bodyPr>
+          <a:lstStyle/>
+          <a:p>
+            <a:r>
+              <a:rPr lang="en-US" sz="2400" dirty="0" smtClean="0"/>
+              <a:t>Scheduler complete and tested</a:t>
+            </a:r>
+          </a:p>
+          <a:p>
+            <a:r>
+              <a:rPr lang="en-US" sz="2400" dirty="0" smtClean="0"/>
+              <a:t>Oscillators completed and tested</a:t>
+            </a:r>
+          </a:p>
+          <a:p>
+            <a:r>
+              <a:rPr lang="en-US" sz="2400" dirty="0" smtClean="0"/>
+              <a:t>Envelopes complete and being debugged</a:t>
+            </a:r>
+          </a:p>
+          <a:p>
+            <a:r>
+              <a:rPr lang="en-US" sz="2400" dirty="0" smtClean="0"/>
+              <a:t>Filters complete and being debugged</a:t>
+            </a:r>
+          </a:p>
+          <a:p>
+            <a:r>
+              <a:rPr lang="en-US" sz="2400" dirty="0" smtClean="0"/>
+              <a:t>Peripheral controls complete and tested</a:t>
+            </a:r>
+          </a:p>
+          <a:p>
+            <a:r>
+              <a:rPr lang="en-US" sz="2400" dirty="0" smtClean="0"/>
+              <a:t>Note banks almost complete</a:t>
+            </a:r>
+          </a:p>
+        </p:txBody>
+      </p:sp>
+      <p:sp>
+        <p:nvSpPr>
+          <p:cNvPr id="5" name="Footer Placeholder 4"/>
+          <p:cNvSpPr>
+            <a:spLocks noGrp="1"/>
+          </p:cNvSpPr>
+          <p:nvPr>
+            <p:ph type="ftr" sz="quarter" idx="11"/>
+          </p:nvPr>
+        </p:nvSpPr>
+        <p:spPr/>
+        <p:txBody>
+          <a:bodyPr/>
+          <a:lstStyle/>
+          <a:p>
+            <a:endParaRPr lang="en-US"/>
+          </a:p>
+        </p:txBody>
+      </p:sp>
+      <p:sp>
+        <p:nvSpPr>
+          <p:cNvPr id="6" name="Slide Number Placeholder 5"/>
+          <p:cNvSpPr>
+            <a:spLocks noGrp="1"/>
+          </p:cNvSpPr>
+          <p:nvPr>
+            <p:ph type="sldNum" sz="quarter" idx="12"/>
+          </p:nvPr>
+        </p:nvSpPr>
+        <p:spPr/>
+        <p:txBody>
+          <a:bodyPr/>
+          <a:lstStyle/>
+          <a:p>
+            <a:fld id="{C9046C4E-02A6-4773-84C4-DBF6B3F27FC0}" type="slidenum">
+              <a:rPr lang="en-US" smtClean="0"/>
+              <a:t>12</a:t>
+            </a:fld>
+            <a:endParaRPr lang="en-US"/>
+          </a:p>
+        </p:txBody>
+      </p:sp>
+    </p:spTree>
+    <p:extLst>
+      <p:ext uri="{BB962C8B-B14F-4D97-AF65-F5344CB8AC3E}">
+        <p14:creationId xmlns:p14="http://schemas.microsoft.com/office/powerpoint/2010/main" val="3467270487"/>
+      </p:ext>
+    </p:extLst>
+  </p:cSld>
+  <p:clrMapOvr>
+    <a:masterClrMapping/>
+  </p:clrMapOvr>
+</p:sld>
+</file>
+
+<file path=ppt/slides/slide13.xml><?xml version="1.0" encoding="utf-8"?>
+<p:sld xmlns:a="http://schemas.openxmlformats.org/drawingml/2006/main" xmlns:r="http://schemas.openxmlformats.org/officeDocument/2006/relationships" xmlns:p="http://schemas.openxmlformats.org/presentationml/2006/main">
+  <p:cSld>
+    <p:spTree>
+      <p:nvGrpSpPr>
+        <p:cNvPr id="1" name=""/>
+        <p:cNvGrpSpPr/>
+        <p:nvPr/>
+      </p:nvGrpSpPr>
+      <p:grpSpPr>
+        <a:xfrm>
+          <a:off x="0" y="0"/>
+          <a:ext cx="0" cy="0"/>
+          <a:chOff x="0" y="0"/>
+          <a:chExt cx="0" cy="0"/>
+        </a:xfrm>
+      </p:grpSpPr>
+      <p:sp>
+        <p:nvSpPr>
+          <p:cNvPr id="2" name="Title 1"/>
+          <p:cNvSpPr>
+            <a:spLocks noGrp="1"/>
+          </p:cNvSpPr>
+          <p:nvPr>
+            <p:ph type="title"/>
+          </p:nvPr>
+        </p:nvSpPr>
+        <p:spPr/>
+        <p:txBody>
+          <a:bodyPr/>
+          <a:lstStyle/>
+          <a:p>
             <a:r>
               <a:rPr lang="en-US" dirty="0" smtClean="0"/>
-              <a:t>we learned</a:t>
+              <a:t>What we learned</a:t>
             </a:r>
             <a:endParaRPr lang="en-US" dirty="0"/>
           </a:p>
@@ -6709,7 +7625,7 @@
           <a:p>
             <a:fld id="{C9046C4E-02A6-4773-84C4-DBF6B3F27FC0}" type="slidenum">
               <a:rPr lang="en-US" smtClean="0"/>
-              <a:t>12</a:t>
+              <a:t>13</a:t>
             </a:fld>
             <a:endParaRPr lang="en-US"/>
           </a:p>
@@ -6735,203 +7651,6 @@
 </p:sld>
 </file>
 
-<file path=ppt/slides/slide13.xml><?xml version="1.0" encoding="utf-8"?>
-<p:sld xmlns:a="http://schemas.openxmlformats.org/drawingml/2006/main" xmlns:r="http://schemas.openxmlformats.org/officeDocument/2006/relationships" xmlns:p="http://schemas.openxmlformats.org/presentationml/2006/main">
-  <p:cSld>
-    <p:spTree>
-      <p:nvGrpSpPr>
-        <p:cNvPr id="1" name=""/>
-        <p:cNvGrpSpPr/>
-        <p:nvPr/>
-      </p:nvGrpSpPr>
-      <p:grpSpPr>
-        <a:xfrm>
-          <a:off x="0" y="0"/>
-          <a:ext cx="0" cy="0"/>
-          <a:chOff x="0" y="0"/>
-          <a:chExt cx="0" cy="0"/>
-        </a:xfrm>
-      </p:grpSpPr>
-      <p:sp>
-        <p:nvSpPr>
-          <p:cNvPr id="2" name="Title 1"/>
-          <p:cNvSpPr>
-            <a:spLocks noGrp="1"/>
-          </p:cNvSpPr>
-          <p:nvPr>
-            <p:ph type="title"/>
-          </p:nvPr>
-        </p:nvSpPr>
-        <p:spPr/>
-        <p:txBody>
-          <a:bodyPr/>
-          <a:lstStyle/>
-          <a:p>
-            <a:r>
-              <a:rPr lang="en-US" dirty="0" smtClean="0"/>
-              <a:t>Our thoughts</a:t>
-            </a:r>
-            <a:endParaRPr lang="en-US" dirty="0"/>
-          </a:p>
-        </p:txBody>
-      </p:sp>
-      <p:sp>
-        <p:nvSpPr>
-          <p:cNvPr id="8" name="Text Placeholder 7"/>
-          <p:cNvSpPr>
-            <a:spLocks noGrp="1"/>
-          </p:cNvSpPr>
-          <p:nvPr>
-            <p:ph type="body" idx="1"/>
-          </p:nvPr>
-        </p:nvSpPr>
-        <p:spPr/>
-        <p:txBody>
-          <a:bodyPr/>
-          <a:lstStyle/>
-          <a:p>
-            <a:r>
-              <a:rPr lang="en-US" u="sng" dirty="0" smtClean="0"/>
-              <a:t>Affirmations</a:t>
-            </a:r>
-            <a:endParaRPr lang="en-US" u="sng" dirty="0"/>
-          </a:p>
-        </p:txBody>
-      </p:sp>
-      <p:sp>
-        <p:nvSpPr>
-          <p:cNvPr id="9" name="Content Placeholder 8"/>
-          <p:cNvSpPr>
-            <a:spLocks noGrp="1"/>
-          </p:cNvSpPr>
-          <p:nvPr>
-            <p:ph sz="half" idx="2"/>
-          </p:nvPr>
-        </p:nvSpPr>
-        <p:spPr/>
-        <p:txBody>
-          <a:bodyPr/>
-          <a:lstStyle/>
-          <a:p>
-            <a:r>
-              <a:rPr lang="en-US" dirty="0" smtClean="0"/>
-              <a:t>Thank you for pushing us early on in the semester</a:t>
-            </a:r>
-          </a:p>
-          <a:p>
-            <a:r>
-              <a:rPr lang="en-US" dirty="0" smtClean="0"/>
-              <a:t>The freedom we were given allowed us to do a cross-disciplinary project</a:t>
-            </a:r>
-          </a:p>
-          <a:p>
-            <a:endParaRPr lang="en-US" dirty="0"/>
-          </a:p>
-        </p:txBody>
-      </p:sp>
-      <p:sp>
-        <p:nvSpPr>
-          <p:cNvPr id="10" name="Text Placeholder 9"/>
-          <p:cNvSpPr>
-            <a:spLocks noGrp="1"/>
-          </p:cNvSpPr>
-          <p:nvPr>
-            <p:ph type="body" sz="quarter" idx="3"/>
-          </p:nvPr>
-        </p:nvSpPr>
-        <p:spPr/>
-        <p:txBody>
-          <a:bodyPr/>
-          <a:lstStyle/>
-          <a:p>
-            <a:r>
-              <a:rPr lang="en-US" u="sng" dirty="0" smtClean="0"/>
-              <a:t>Suggestions</a:t>
-            </a:r>
-            <a:endParaRPr lang="en-US" u="sng" dirty="0"/>
-          </a:p>
-        </p:txBody>
-      </p:sp>
-      <p:sp>
-        <p:nvSpPr>
-          <p:cNvPr id="11" name="Content Placeholder 10"/>
-          <p:cNvSpPr>
-            <a:spLocks noGrp="1"/>
-          </p:cNvSpPr>
-          <p:nvPr>
-            <p:ph sz="quarter" idx="4"/>
-          </p:nvPr>
-        </p:nvSpPr>
-        <p:spPr/>
-        <p:txBody>
-          <a:bodyPr/>
-          <a:lstStyle/>
-          <a:p>
-            <a:r>
-              <a:rPr lang="en-US" dirty="0" smtClean="0"/>
-              <a:t>More clear/detailed directions for labs, especially the first one, would’ve been really helpful</a:t>
-            </a:r>
-          </a:p>
-          <a:p>
-            <a:endParaRPr lang="en-US" dirty="0"/>
-          </a:p>
-        </p:txBody>
-      </p:sp>
-      <p:sp>
-        <p:nvSpPr>
-          <p:cNvPr id="4" name="Footer Placeholder 3"/>
-          <p:cNvSpPr>
-            <a:spLocks noGrp="1"/>
-          </p:cNvSpPr>
-          <p:nvPr>
-            <p:ph type="ftr" sz="quarter" idx="11"/>
-          </p:nvPr>
-        </p:nvSpPr>
-        <p:spPr/>
-        <p:txBody>
-          <a:bodyPr/>
-          <a:lstStyle/>
-          <a:p>
-            <a:endParaRPr lang="en-US"/>
-          </a:p>
-        </p:txBody>
-      </p:sp>
-      <p:sp>
-        <p:nvSpPr>
-          <p:cNvPr id="5" name="Slide Number Placeholder 4"/>
-          <p:cNvSpPr>
-            <a:spLocks noGrp="1"/>
-          </p:cNvSpPr>
-          <p:nvPr>
-            <p:ph type="sldNum" sz="quarter" idx="12"/>
-          </p:nvPr>
-        </p:nvSpPr>
-        <p:spPr/>
-        <p:txBody>
-          <a:bodyPr/>
-          <a:lstStyle/>
-          <a:p>
-            <a:fld id="{C9046C4E-02A6-4773-84C4-DBF6B3F27FC0}" type="slidenum">
-              <a:rPr lang="en-US" smtClean="0"/>
-              <a:t>13</a:t>
-            </a:fld>
-            <a:endParaRPr lang="en-US"/>
-          </a:p>
-        </p:txBody>
-      </p:sp>
-    </p:spTree>
-    <p:extLst>
-      <p:ext uri="{BB962C8B-B14F-4D97-AF65-F5344CB8AC3E}">
-        <p14:creationId xmlns:p14="http://schemas.microsoft.com/office/powerpoint/2010/main" val="1073856386"/>
-      </p:ext>
-    </p:extLst>
-  </p:cSld>
-  <p:clrMapOvr>
-    <a:masterClrMapping/>
-  </p:clrMapOvr>
-</p:sld>
-</file>
-
 <file path=ppt/slides/slide14.xml><?xml version="1.0" encoding="utf-8"?>
 <p:sld xmlns:a="http://schemas.openxmlformats.org/drawingml/2006/main" xmlns:r="http://schemas.openxmlformats.org/officeDocument/2006/relationships" xmlns:p="http://schemas.openxmlformats.org/presentationml/2006/main">
   <p:cSld>
@@ -6959,6 +7678,203 @@
             <p:ph type="title"/>
           </p:nvPr>
         </p:nvSpPr>
+        <p:spPr/>
+        <p:txBody>
+          <a:bodyPr/>
+          <a:lstStyle/>
+          <a:p>
+            <a:r>
+              <a:rPr lang="en-US" dirty="0" smtClean="0"/>
+              <a:t>Our thoughts</a:t>
+            </a:r>
+            <a:endParaRPr lang="en-US" dirty="0"/>
+          </a:p>
+        </p:txBody>
+      </p:sp>
+      <p:sp>
+        <p:nvSpPr>
+          <p:cNvPr id="8" name="Text Placeholder 7"/>
+          <p:cNvSpPr>
+            <a:spLocks noGrp="1"/>
+          </p:cNvSpPr>
+          <p:nvPr>
+            <p:ph type="body" idx="1"/>
+          </p:nvPr>
+        </p:nvSpPr>
+        <p:spPr/>
+        <p:txBody>
+          <a:bodyPr/>
+          <a:lstStyle/>
+          <a:p>
+            <a:r>
+              <a:rPr lang="en-US" u="sng" dirty="0" smtClean="0"/>
+              <a:t>Affirmations</a:t>
+            </a:r>
+            <a:endParaRPr lang="en-US" u="sng" dirty="0"/>
+          </a:p>
+        </p:txBody>
+      </p:sp>
+      <p:sp>
+        <p:nvSpPr>
+          <p:cNvPr id="9" name="Content Placeholder 8"/>
+          <p:cNvSpPr>
+            <a:spLocks noGrp="1"/>
+          </p:cNvSpPr>
+          <p:nvPr>
+            <p:ph sz="half" idx="2"/>
+          </p:nvPr>
+        </p:nvSpPr>
+        <p:spPr/>
+        <p:txBody>
+          <a:bodyPr/>
+          <a:lstStyle/>
+          <a:p>
+            <a:r>
+              <a:rPr lang="en-US" dirty="0" smtClean="0"/>
+              <a:t>Thank you for pushing us early on in the semester</a:t>
+            </a:r>
+          </a:p>
+          <a:p>
+            <a:r>
+              <a:rPr lang="en-US" dirty="0" smtClean="0"/>
+              <a:t>The freedom we were given allowed us to do a cross-disciplinary project</a:t>
+            </a:r>
+          </a:p>
+          <a:p>
+            <a:endParaRPr lang="en-US" dirty="0"/>
+          </a:p>
+        </p:txBody>
+      </p:sp>
+      <p:sp>
+        <p:nvSpPr>
+          <p:cNvPr id="10" name="Text Placeholder 9"/>
+          <p:cNvSpPr>
+            <a:spLocks noGrp="1"/>
+          </p:cNvSpPr>
+          <p:nvPr>
+            <p:ph type="body" sz="quarter" idx="3"/>
+          </p:nvPr>
+        </p:nvSpPr>
+        <p:spPr/>
+        <p:txBody>
+          <a:bodyPr/>
+          <a:lstStyle/>
+          <a:p>
+            <a:r>
+              <a:rPr lang="en-US" u="sng" dirty="0" smtClean="0"/>
+              <a:t>Suggestions</a:t>
+            </a:r>
+            <a:endParaRPr lang="en-US" u="sng" dirty="0"/>
+          </a:p>
+        </p:txBody>
+      </p:sp>
+      <p:sp>
+        <p:nvSpPr>
+          <p:cNvPr id="11" name="Content Placeholder 10"/>
+          <p:cNvSpPr>
+            <a:spLocks noGrp="1"/>
+          </p:cNvSpPr>
+          <p:nvPr>
+            <p:ph sz="quarter" idx="4"/>
+          </p:nvPr>
+        </p:nvSpPr>
+        <p:spPr/>
+        <p:txBody>
+          <a:bodyPr/>
+          <a:lstStyle/>
+          <a:p>
+            <a:r>
+              <a:rPr lang="en-US" dirty="0" smtClean="0"/>
+              <a:t>More clear/detailed directions for labs, especially the first one, would’ve been really helpful</a:t>
+            </a:r>
+          </a:p>
+          <a:p>
+            <a:endParaRPr lang="en-US" dirty="0"/>
+          </a:p>
+        </p:txBody>
+      </p:sp>
+      <p:sp>
+        <p:nvSpPr>
+          <p:cNvPr id="4" name="Footer Placeholder 3"/>
+          <p:cNvSpPr>
+            <a:spLocks noGrp="1"/>
+          </p:cNvSpPr>
+          <p:nvPr>
+            <p:ph type="ftr" sz="quarter" idx="11"/>
+          </p:nvPr>
+        </p:nvSpPr>
+        <p:spPr/>
+        <p:txBody>
+          <a:bodyPr/>
+          <a:lstStyle/>
+          <a:p>
+            <a:endParaRPr lang="en-US"/>
+          </a:p>
+        </p:txBody>
+      </p:sp>
+      <p:sp>
+        <p:nvSpPr>
+          <p:cNvPr id="5" name="Slide Number Placeholder 4"/>
+          <p:cNvSpPr>
+            <a:spLocks noGrp="1"/>
+          </p:cNvSpPr>
+          <p:nvPr>
+            <p:ph type="sldNum" sz="quarter" idx="12"/>
+          </p:nvPr>
+        </p:nvSpPr>
+        <p:spPr/>
+        <p:txBody>
+          <a:bodyPr/>
+          <a:lstStyle/>
+          <a:p>
+            <a:fld id="{C9046C4E-02A6-4773-84C4-DBF6B3F27FC0}" type="slidenum">
+              <a:rPr lang="en-US" smtClean="0"/>
+              <a:t>14</a:t>
+            </a:fld>
+            <a:endParaRPr lang="en-US"/>
+          </a:p>
+        </p:txBody>
+      </p:sp>
+    </p:spTree>
+    <p:extLst>
+      <p:ext uri="{BB962C8B-B14F-4D97-AF65-F5344CB8AC3E}">
+        <p14:creationId xmlns:p14="http://schemas.microsoft.com/office/powerpoint/2010/main" val="1073856386"/>
+      </p:ext>
+    </p:extLst>
+  </p:cSld>
+  <p:clrMapOvr>
+    <a:masterClrMapping/>
+  </p:clrMapOvr>
+</p:sld>
+</file>
+
+<file path=ppt/slides/slide15.xml><?xml version="1.0" encoding="utf-8"?>
+<p:sld xmlns:a="http://schemas.openxmlformats.org/drawingml/2006/main" xmlns:r="http://schemas.openxmlformats.org/officeDocument/2006/relationships" xmlns:p="http://schemas.openxmlformats.org/presentationml/2006/main">
+  <p:cSld>
+    <p:spTree>
+      <p:nvGrpSpPr>
+        <p:cNvPr id="1" name=""/>
+        <p:cNvGrpSpPr/>
+        <p:nvPr/>
+      </p:nvGrpSpPr>
+      <p:grpSpPr>
+        <a:xfrm>
+          <a:off x="0" y="0"/>
+          <a:ext cx="0" cy="0"/>
+          <a:chOff x="0" y="0"/>
+          <a:chExt cx="0" cy="0"/>
+        </a:xfrm>
+      </p:grpSpPr>
+      <p:sp>
+        <p:nvSpPr>
+          <p:cNvPr id="2" name="Title 1"/>
+          <p:cNvSpPr>
+            <a:spLocks noGrp="1"/>
+          </p:cNvSpPr>
+          <p:nvPr>
+            <p:ph type="title"/>
+          </p:nvPr>
+        </p:nvSpPr>
         <p:spPr>
           <a:xfrm>
             <a:off x="2870200" y="764373"/>
@@ -7034,7 +7950,7 @@
           <a:p>
             <a:fld id="{C9046C4E-02A6-4773-84C4-DBF6B3F27FC0}" type="slidenum">
               <a:rPr lang="en-US" smtClean="0"/>
-              <a:t>14</a:t>
+              <a:t>15</a:t>
             </a:fld>
             <a:endParaRPr lang="en-US"/>
           </a:p>
@@ -7147,7 +8063,6 @@
               <a:rPr lang="en-US" sz="2600" dirty="0" smtClean="0"/>
               <a:t>Amplitude envelope</a:t>
             </a:r>
-            <a:endParaRPr lang="en-US" sz="2600" dirty="0" smtClean="0"/>
           </a:p>
           <a:p>
             <a:r>
@@ -7706,7 +8621,6 @@
               <a:rPr lang="en-US" sz="2400" dirty="0" smtClean="0"/>
               <a:t>Scheduler</a:t>
             </a:r>
-            <a:endParaRPr lang="en-US" sz="2400" dirty="0" smtClean="0"/>
           </a:p>
           <a:p>
             <a:r>
@@ -7947,15 +8861,7 @@
             <a:pPr lvl="1"/>
             <a:r>
               <a:rPr lang="en-US" sz="2600" dirty="0" smtClean="0"/>
-              <a:t>Maps </a:t>
-            </a:r>
-            <a:r>
-              <a:rPr lang="en-US" sz="2600" dirty="0" smtClean="0"/>
-              <a:t>note events to </a:t>
-            </a:r>
-            <a:r>
-              <a:rPr lang="en-US" sz="2600" dirty="0" smtClean="0"/>
-              <a:t>note banks</a:t>
+              <a:t>Maps note events to note banks</a:t>
             </a:r>
           </a:p>
           <a:p>
@@ -7964,7 +8870,6 @@
               <a:rPr lang="en-US" sz="2600" dirty="0" smtClean="0"/>
               <a:t>Monophonic and Polyphonic?</a:t>
             </a:r>
-            <a:endParaRPr lang="en-US" sz="2600" dirty="0" smtClean="0"/>
           </a:p>
         </p:txBody>
       </p:sp>
@@ -8089,7 +8994,6 @@
               <a:rPr lang="en-US" dirty="0" smtClean="0"/>
               <a:t>Implement ADSR envelope</a:t>
             </a:r>
-            <a:endParaRPr lang="en-US" dirty="0" smtClean="0"/>
           </a:p>
           <a:p>
             <a:r>
@@ -8903,7 +9807,7 @@
   <a:extraClrSchemeLst/>
   <a:extLst>
     <a:ext uri="{05A4C25C-085E-4340-85A3-A5531E510DB2}">
-      <thm15:themeFamily xmlns="" xmlns:thm15="http://schemas.microsoft.com/office/thememl/2012/main" name="Vapor Trail" id="{4FDF2955-7D9C-493C-B9F9-C205151B46CD}" vid="{8F31A783-2159-4870-BC29-2BA7D038EA44}"/>
+      <thm15:themeFamily xmlns:thm15="http://schemas.microsoft.com/office/thememl/2012/main" xmlns="" name="Vapor Trail" id="{4FDF2955-7D9C-493C-B9F9-C205151B46CD}" vid="{8F31A783-2159-4870-BC29-2BA7D038EA44}"/>
     </a:ext>
   </a:extLst>
 </a:theme>
